--- a/ppts/003_Assessment.pptx
+++ b/ppts/003_Assessment.pptx
@@ -22926,10 +22926,10 @@
               <a:buChar char="•"/>
             </a:pPr>
             <a:r>
-              <a:rPr lang="en-GB" sz="4000"/>
+              <a:rPr lang="en-GB" sz="4000" dirty="0"/>
               <a:t>We will cover</a:t>
             </a:r>
-            <a:endParaRPr/>
+            <a:endParaRPr dirty="0"/>
           </a:p>
           <a:p>
             <a:pPr marL="685800" lvl="1" indent="-228600" algn="l" rtl="0">
@@ -22949,10 +22949,10 @@
               <a:buChar char="•"/>
             </a:pPr>
             <a:r>
-              <a:rPr lang="en-GB" sz="3600"/>
+              <a:rPr lang="en-GB" sz="3600" dirty="0"/>
               <a:t>Assessment information</a:t>
             </a:r>
-            <a:endParaRPr/>
+            <a:endParaRPr dirty="0"/>
           </a:p>
           <a:p>
             <a:pPr marL="685800" lvl="1" indent="-228600" algn="l" rtl="0">
@@ -22972,10 +22972,10 @@
               <a:buChar char="•"/>
             </a:pPr>
             <a:r>
-              <a:rPr lang="en-GB" sz="3600"/>
+              <a:rPr lang="en-GB" sz="3600" dirty="0"/>
               <a:t>Introduction to experimental confounds</a:t>
             </a:r>
-            <a:endParaRPr/>
+            <a:endParaRPr dirty="0"/>
           </a:p>
           <a:p>
             <a:pPr marL="685800" lvl="1" indent="-228600" algn="l" rtl="0">
@@ -22995,10 +22995,10 @@
               <a:buChar char="•"/>
             </a:pPr>
             <a:r>
-              <a:rPr lang="en-GB" sz="3600"/>
+              <a:rPr lang="en-GB" sz="3600" dirty="0"/>
               <a:t>Introduction to Stimulus Databases</a:t>
             </a:r>
-            <a:endParaRPr/>
+            <a:endParaRPr dirty="0"/>
           </a:p>
           <a:p>
             <a:pPr marL="457200" lvl="1" indent="0" algn="l" rtl="0">
@@ -23017,7 +23017,7 @@
               <a:buSzPts val="2400"/>
               <a:buNone/>
             </a:pPr>
-            <a:endParaRPr/>
+            <a:endParaRPr dirty="0"/>
           </a:p>
           <a:p>
             <a:pPr marL="685800" lvl="1" indent="-76200" algn="l" rtl="0">
@@ -23036,7 +23036,7 @@
               <a:buSzPts val="2400"/>
               <a:buNone/>
             </a:pPr>
-            <a:endParaRPr/>
+            <a:endParaRPr dirty="0"/>
           </a:p>
         </p:txBody>
       </p:sp>
@@ -29372,7 +29372,7 @@
               </a:rPr>
             </a:br>
             <a:r>
-              <a:rPr lang="en-GB" sz="1400" b="1" dirty="0">
+              <a:rPr lang="en-GB" sz="1800" b="1" dirty="0">
                 <a:solidFill>
                   <a:schemeClr val="lt1"/>
                 </a:solidFill>
@@ -29380,7 +29380,7 @@
               <a:t>Reference:</a:t>
             </a:r>
             <a:r>
-              <a:rPr lang="en-GB" sz="1400" dirty="0">
+              <a:rPr lang="en-GB" sz="1800" dirty="0">
                 <a:solidFill>
                   <a:schemeClr val="lt1"/>
                 </a:solidFill>
@@ -29388,7 +29388,7 @@
               <a:t> Meyer, D. E., &amp; </a:t>
             </a:r>
             <a:r>
-              <a:rPr lang="en-GB" sz="1400" dirty="0" err="1">
+              <a:rPr lang="en-GB" sz="1800" dirty="0" err="1">
                 <a:solidFill>
                   <a:schemeClr val="lt1"/>
                 </a:solidFill>
@@ -29396,7 +29396,7 @@
               <a:t>Schvaneveldt</a:t>
             </a:r>
             <a:r>
-              <a:rPr lang="en-GB" sz="1400" dirty="0">
+              <a:rPr lang="en-GB" sz="1800" dirty="0">
                 <a:solidFill>
                   <a:schemeClr val="lt1"/>
                 </a:solidFill>
@@ -29404,7 +29404,7 @@
               <a:t>, R. W. (1971). Facilitation in recognizing pairs of words: Evidence of a dependence between retrieval operations. </a:t>
             </a:r>
             <a:r>
-              <a:rPr lang="en-GB" sz="1400" i="1" u="sng" dirty="0">
+              <a:rPr lang="en-GB" sz="1800" i="1" u="sng" dirty="0">
                 <a:solidFill>
                   <a:schemeClr val="lt1"/>
                 </a:solidFill>
@@ -29419,7 +29419,7 @@
               <a:t>Journal of Experimental Psychology, 90</a:t>
             </a:r>
             <a:r>
-              <a:rPr lang="en-GB" sz="1400" dirty="0">
+              <a:rPr lang="en-GB" sz="1800" dirty="0">
                 <a:solidFill>
                   <a:schemeClr val="lt1"/>
                 </a:solidFill>
@@ -29484,7 +29484,7 @@
             </a:pPr>
             <a:r>
               <a:rPr lang="en-GB" sz="3200" dirty="0"/>
-              <a:t>Early cognitive studies showed that when participants were presented with pairs of words that were either </a:t>
+              <a:t>Early cognitive studies showed that when participants were presented with pairs of words that were either… </a:t>
             </a:r>
             <a:endParaRPr sz="3200" dirty="0"/>
           </a:p>
@@ -29585,7 +29585,7 @@
             </a:pPr>
             <a:r>
               <a:rPr lang="en-GB" sz="3200" dirty="0"/>
-              <a:t>they responded faster and with better accuracy to the pairs of words that were related when compared with the unrelated pairs and the nonsense word pairs (Meyer and </a:t>
+              <a:t>…they responded faster and with better accuracy to the pairs of words that were related when compared with the unrelated pairs and the nonsense word pairs (Meyer and </a:t>
             </a:r>
             <a:r>
               <a:rPr lang="en-GB" sz="3200" dirty="0" err="1"/>
@@ -29998,7 +29998,7 @@
               </a:rPr>
             </a:br>
             <a:r>
-              <a:rPr lang="en-GB" sz="1400" b="1" dirty="0">
+              <a:rPr lang="en-GB" sz="1800" b="1" dirty="0">
                 <a:solidFill>
                   <a:schemeClr val="lt1"/>
                 </a:solidFill>
@@ -30006,7 +30006,7 @@
               <a:t>Reference:</a:t>
             </a:r>
             <a:r>
-              <a:rPr lang="en-GB" sz="1400" dirty="0">
+              <a:rPr lang="en-GB" sz="1800" dirty="0">
                 <a:solidFill>
                   <a:schemeClr val="lt1"/>
                 </a:solidFill>
@@ -30014,7 +30014,7 @@
               <a:t> Meyer, D. E., &amp; </a:t>
             </a:r>
             <a:r>
-              <a:rPr lang="en-GB" sz="1400" dirty="0" err="1">
+              <a:rPr lang="en-GB" sz="1800" dirty="0" err="1">
                 <a:solidFill>
                   <a:schemeClr val="lt1"/>
                 </a:solidFill>
@@ -30022,7 +30022,7 @@
               <a:t>Schvaneveldt</a:t>
             </a:r>
             <a:r>
-              <a:rPr lang="en-GB" sz="1400" dirty="0">
+              <a:rPr lang="en-GB" sz="1800" dirty="0">
                 <a:solidFill>
                   <a:schemeClr val="lt1"/>
                 </a:solidFill>
@@ -30030,7 +30030,7 @@
               <a:t>, R. W. (1971). Facilitation in recognizing pairs of words: Evidence of a dependence between retrieval operations. </a:t>
             </a:r>
             <a:r>
-              <a:rPr lang="en-GB" sz="1400" i="1" u="sng" dirty="0">
+              <a:rPr lang="en-GB" sz="1800" i="1" u="sng" dirty="0">
                 <a:solidFill>
                   <a:schemeClr val="lt1"/>
                 </a:solidFill>
@@ -30045,7 +30045,7 @@
               <a:t>Journal of Experimental Psychology, 90</a:t>
             </a:r>
             <a:r>
-              <a:rPr lang="en-GB" sz="1400" dirty="0">
+              <a:rPr lang="en-GB" sz="1800" dirty="0">
                 <a:solidFill>
                   <a:schemeClr val="lt1"/>
                 </a:solidFill>
@@ -30268,54 +30268,6 @@
           <a:chExt cx="0" cy="0"/>
         </a:xfrm>
       </p:grpSpPr>
-      <p:sp>
-        <p:nvSpPr>
-          <p:cNvPr id="135" name="Google Shape;135;p5"/>
-          <p:cNvSpPr/>
-          <p:nvPr/>
-        </p:nvSpPr>
-        <p:spPr>
-          <a:xfrm>
-            <a:off x="0" y="0"/>
-            <a:ext cx="12188952" cy="6858000"/>
-          </a:xfrm>
-          <a:prstGeom prst="rect">
-            <a:avLst/>
-          </a:prstGeom>
-          <a:solidFill>
-            <a:schemeClr val="lt1"/>
-          </a:solidFill>
-          <a:ln>
-            <a:noFill/>
-          </a:ln>
-        </p:spPr>
-        <p:txBody>
-          <a:bodyPr spcFirstLastPara="1" wrap="square" lIns="91425" tIns="45700" rIns="91425" bIns="45700" anchor="ctr" anchorCtr="0">
-            <a:noAutofit/>
-          </a:bodyPr>
-          <a:lstStyle/>
-          <a:p>
-            <a:pPr marL="0" marR="0" lvl="0" indent="0" algn="ctr" rtl="0">
-              <a:spcBef>
-                <a:spcPts val="0"/>
-              </a:spcBef>
-              <a:spcAft>
-                <a:spcPts val="0"/>
-              </a:spcAft>
-              <a:buNone/>
-            </a:pPr>
-            <a:endParaRPr sz="1800" dirty="0">
-              <a:solidFill>
-                <a:schemeClr val="lt1"/>
-              </a:solidFill>
-              <a:latin typeface="Calibri"/>
-              <a:ea typeface="Calibri"/>
-              <a:cs typeface="Calibri"/>
-              <a:sym typeface="Calibri"/>
-            </a:endParaRPr>
-          </a:p>
-        </p:txBody>
-      </p:sp>
       <p:sp>
         <p:nvSpPr>
           <p:cNvPr id="136" name="Google Shape;136;p5"/>
@@ -30704,7 +30656,7 @@
                   <a:srgbClr val="FFFFFF"/>
                 </a:solidFill>
               </a:rPr>
-              <a:t>Weighting and deadlines</a:t>
+              <a:t>Weighting and deadline</a:t>
             </a:r>
             <a:endParaRPr dirty="0"/>
           </a:p>
@@ -30724,8 +30676,8 @@
         </p:nvSpPr>
         <p:spPr>
           <a:xfrm>
-            <a:off x="1354272" y="2240688"/>
-            <a:ext cx="9728791" cy="1754326"/>
+            <a:off x="1212089" y="2725599"/>
+            <a:ext cx="10175318" cy="1754326"/>
           </a:xfrm>
           <a:prstGeom prst="rect">
             <a:avLst/>
@@ -30756,7 +30708,7 @@
                 <a:latin typeface="Calibri" panose="020F0502020204030204" pitchFamily="34" charset="0"/>
                 <a:cs typeface="Calibri" panose="020F0502020204030204" pitchFamily="34" charset="0"/>
               </a:rPr>
-              <a:t>Method Section 12.5%</a:t>
+              <a:t>Part 1: Method Section 12.5% (Turnitin)</a:t>
             </a:r>
           </a:p>
           <a:p>
@@ -30769,81 +30721,8 @@
                 <a:latin typeface="Calibri" panose="020F0502020204030204" pitchFamily="34" charset="0"/>
                 <a:cs typeface="Calibri" panose="020F0502020204030204" pitchFamily="34" charset="0"/>
               </a:rPr>
-              <a:t>PsychoPy Experiment 12.5%</a:t>
+              <a:t>Part 2: PsychoPy Experiment 12.5% (Assignment)</a:t>
             </a:r>
-          </a:p>
-        </p:txBody>
-      </p:sp>
-      <p:sp>
-        <p:nvSpPr>
-          <p:cNvPr id="3" name="TextBox 2">
-            <a:extLst>
-              <a:ext uri="{FF2B5EF4-FFF2-40B4-BE49-F238E27FC236}">
-                <a16:creationId xmlns:a16="http://schemas.microsoft.com/office/drawing/2014/main" id="{B95D041F-2CB3-4A05-8418-35BAB6E86879}"/>
-              </a:ext>
-            </a:extLst>
-          </p:cNvPr>
-          <p:cNvSpPr txBox="1"/>
-          <p:nvPr/>
-        </p:nvSpPr>
-        <p:spPr>
-          <a:xfrm>
-            <a:off x="162970" y="4164535"/>
-            <a:ext cx="5792890" cy="1015663"/>
-          </a:xfrm>
-          <a:prstGeom prst="rect">
-            <a:avLst/>
-          </a:prstGeom>
-          <a:noFill/>
-        </p:spPr>
-        <p:txBody>
-          <a:bodyPr wrap="square" rtlCol="0">
-            <a:spAutoFit/>
-          </a:bodyPr>
-          <a:lstStyle/>
-          <a:p>
-            <a:r>
-              <a:rPr lang="en-GB" sz="2800" b="1" dirty="0">
-                <a:latin typeface="Calibri" panose="020F0502020204030204" pitchFamily="34" charset="0"/>
-                <a:cs typeface="Calibri" panose="020F0502020204030204" pitchFamily="34" charset="0"/>
-              </a:rPr>
-              <a:t>Method Section Submission Deadline:</a:t>
-            </a:r>
-            <a:endParaRPr lang="en-GB" sz="2800" dirty="0">
-              <a:latin typeface="Calibri" panose="020F0502020204030204" pitchFamily="34" charset="0"/>
-              <a:cs typeface="Calibri" panose="020F0502020204030204" pitchFamily="34" charset="0"/>
-            </a:endParaRPr>
-          </a:p>
-          <a:p>
-            <a:r>
-              <a:rPr lang="en-GB" sz="3200" b="1" dirty="0">
-                <a:solidFill>
-                  <a:srgbClr val="FF0000"/>
-                </a:solidFill>
-                <a:latin typeface="Calibri" panose="020F0502020204030204" pitchFamily="34" charset="0"/>
-                <a:cs typeface="Calibri" panose="020F0502020204030204" pitchFamily="34" charset="0"/>
-              </a:rPr>
-              <a:t>NOON </a:t>
-            </a:r>
-            <a:r>
-              <a:rPr lang="en-GB" sz="3200" b="1" dirty="0">
-                <a:latin typeface="Calibri" panose="020F0502020204030204" pitchFamily="34" charset="0"/>
-                <a:cs typeface="Calibri" panose="020F0502020204030204" pitchFamily="34" charset="0"/>
-              </a:rPr>
-              <a:t>Via EDP </a:t>
-            </a:r>
-            <a:r>
-              <a:rPr lang="en-GB" sz="3200" b="1" u="sng" dirty="0">
-                <a:latin typeface="Calibri" panose="020F0502020204030204" pitchFamily="34" charset="0"/>
-                <a:cs typeface="Calibri" panose="020F0502020204030204" pitchFamily="34" charset="0"/>
-                <a:hlinkClick r:id="rId3"/>
-              </a:rPr>
-              <a:t>Turnitin</a:t>
-            </a:r>
-            <a:endParaRPr lang="en-GB" dirty="0">
-              <a:latin typeface="Calibri" panose="020F0502020204030204" pitchFamily="34" charset="0"/>
-              <a:cs typeface="Calibri" panose="020F0502020204030204" pitchFamily="34" charset="0"/>
-            </a:endParaRPr>
           </a:p>
         </p:txBody>
       </p:sp>
@@ -30861,8 +30740,8 @@
         </p:nvSpPr>
         <p:spPr>
           <a:xfrm>
-            <a:off x="5955860" y="4058530"/>
-            <a:ext cx="5750587" cy="1856919"/>
+            <a:off x="205273" y="5327818"/>
+            <a:ext cx="11478727" cy="1200329"/>
           </a:xfrm>
           <a:prstGeom prst="rect">
             <a:avLst/>
@@ -30881,53 +30760,7 @@
               </a:spcAft>
             </a:pPr>
             <a:r>
-              <a:rPr lang="en-GB" sz="2800" b="1" dirty="0">
-                <a:latin typeface="Calibri" panose="020F0502020204030204" pitchFamily="34" charset="0"/>
-                <a:cs typeface="Calibri" panose="020F0502020204030204" pitchFamily="34" charset="0"/>
-              </a:rPr>
-              <a:t>PsychoPy Experiment:</a:t>
-            </a:r>
-            <a:r>
-              <a:rPr lang="en-GB" sz="1800" b="1" dirty="0">
-                <a:solidFill>
-                  <a:srgbClr val="FF0000"/>
-                </a:solidFill>
-                <a:latin typeface="Calibri" panose="020F0502020204030204" pitchFamily="34" charset="0"/>
-                <a:cs typeface="Calibri" panose="020F0502020204030204" pitchFamily="34" charset="0"/>
-              </a:rPr>
-              <a:t> </a:t>
-            </a:r>
-            <a:endParaRPr lang="en-GB" dirty="0">
-              <a:latin typeface="Calibri" panose="020F0502020204030204" pitchFamily="34" charset="0"/>
-              <a:cs typeface="Calibri" panose="020F0502020204030204" pitchFamily="34" charset="0"/>
-            </a:endParaRPr>
-          </a:p>
-          <a:p>
-            <a:pPr>
-              <a:spcAft>
-                <a:spcPts val="1000"/>
-              </a:spcAft>
-            </a:pPr>
-            <a:r>
-              <a:rPr lang="en-GB" sz="2800" b="1" dirty="0">
-                <a:latin typeface="Calibri" panose="020F0502020204030204" pitchFamily="34" charset="0"/>
-                <a:cs typeface="Calibri" panose="020F0502020204030204" pitchFamily="34" charset="0"/>
-              </a:rPr>
-              <a:t>Via Google Drive Repository</a:t>
-            </a:r>
-            <a:endParaRPr lang="en-GB" sz="2400" dirty="0">
-              <a:latin typeface="Calibri" panose="020F0502020204030204" pitchFamily="34" charset="0"/>
-              <a:cs typeface="Calibri" panose="020F0502020204030204" pitchFamily="34" charset="0"/>
-            </a:endParaRPr>
-          </a:p>
-          <a:p>
-            <a:pPr>
-              <a:spcAft>
-                <a:spcPts val="1000"/>
-              </a:spcAft>
-            </a:pPr>
-            <a:r>
-              <a:rPr lang="en-GB" b="1" dirty="0">
+              <a:rPr lang="en-GB" sz="2400" b="1" dirty="0">
                 <a:solidFill>
                   <a:srgbClr val="6AA84F"/>
                 </a:solidFill>
@@ -30936,10 +30769,71 @@
               </a:rPr>
               <a:t>Please be aware that as this deadline is so late in the academic year there will be no representation opportunity.  If you fail this assessment your next opportunity to take the assessment will be in August 2024</a:t>
             </a:r>
-            <a:endParaRPr lang="en-GB" dirty="0">
+            <a:endParaRPr lang="en-GB" sz="2400" dirty="0">
               <a:latin typeface="Calibri" panose="020F0502020204030204" pitchFamily="34" charset="0"/>
               <a:cs typeface="Calibri" panose="020F0502020204030204" pitchFamily="34" charset="0"/>
             </a:endParaRPr>
+          </a:p>
+        </p:txBody>
+      </p:sp>
+      <p:sp>
+        <p:nvSpPr>
+          <p:cNvPr id="5" name="TextBox 4">
+            <a:extLst>
+              <a:ext uri="{FF2B5EF4-FFF2-40B4-BE49-F238E27FC236}">
+                <a16:creationId xmlns:a16="http://schemas.microsoft.com/office/drawing/2014/main" id="{D1A5D729-3C38-4466-8FAE-3154ED842E54}"/>
+              </a:ext>
+            </a:extLst>
+          </p:cNvPr>
+          <p:cNvSpPr txBox="1"/>
+          <p:nvPr/>
+        </p:nvSpPr>
+        <p:spPr>
+          <a:xfrm>
+            <a:off x="3192864" y="4414001"/>
+            <a:ext cx="5806272" cy="769441"/>
+          </a:xfrm>
+          <a:prstGeom prst="rect">
+            <a:avLst/>
+          </a:prstGeom>
+          <a:noFill/>
+        </p:spPr>
+        <p:txBody>
+          <a:bodyPr wrap="square" rtlCol="0">
+            <a:spAutoFit/>
+          </a:bodyPr>
+          <a:lstStyle/>
+          <a:p>
+            <a:r>
+              <a:rPr lang="en-GB" sz="4400" b="1" dirty="0">
+                <a:solidFill>
+                  <a:srgbClr val="FF0000"/>
+                </a:solidFill>
+                <a:latin typeface="Calibri" panose="020F0502020204030204" pitchFamily="34" charset="0"/>
+                <a:cs typeface="Calibri" panose="020F0502020204030204" pitchFamily="34" charset="0"/>
+              </a:rPr>
+              <a:t>24</a:t>
+            </a:r>
+            <a:r>
+              <a:rPr lang="en-GB" sz="4400" b="1" baseline="30000" dirty="0">
+                <a:solidFill>
+                  <a:srgbClr val="FF0000"/>
+                </a:solidFill>
+                <a:latin typeface="Calibri" panose="020F0502020204030204" pitchFamily="34" charset="0"/>
+                <a:cs typeface="Calibri" panose="020F0502020204030204" pitchFamily="34" charset="0"/>
+              </a:rPr>
+              <a:t>th</a:t>
+            </a:r>
+            <a:r>
+              <a:rPr lang="en-GB" sz="4400" b="1" dirty="0">
+                <a:solidFill>
+                  <a:srgbClr val="FF0000"/>
+                </a:solidFill>
+                <a:latin typeface="Calibri" panose="020F0502020204030204" pitchFamily="34" charset="0"/>
+                <a:cs typeface="Calibri" panose="020F0502020204030204" pitchFamily="34" charset="0"/>
+              </a:rPr>
+              <a:t> May 2024 12 NOON</a:t>
+            </a:r>
           </a:p>
         </p:txBody>
       </p:sp>
